--- a/Milestones.pptx
+++ b/Milestones.pptx
@@ -104,6 +104,11 @@
       </a:defRPr>
     </a:lvl9pPr>
   </p:defaultTextStyle>
+  <p:extLst>
+    <p:ext uri="{EFAFB233-063F-42B5-8137-9DF3F51BA10A}">
+      <p15:sldGuideLst xmlns:p15="http://schemas.microsoft.com/office/powerpoint/2012/main"/>
+    </p:ext>
+  </p:extLst>
 </p:presentation>
 </file>
 
@@ -238,7 +243,7 @@
           <a:p>
             <a:fld id="{954FD581-DC80-49AC-AA0F-9AD0047101ED}" type="datetimeFigureOut">
               <a:rPr lang="en-SG" smtClean="0"/>
-              <a:t>29/5/2014</a:t>
+              <a:t>28/6/2014</a:t>
             </a:fld>
             <a:endParaRPr lang="en-SG"/>
           </a:p>
@@ -408,7 +413,7 @@
           <a:p>
             <a:fld id="{954FD581-DC80-49AC-AA0F-9AD0047101ED}" type="datetimeFigureOut">
               <a:rPr lang="en-SG" smtClean="0"/>
-              <a:t>29/5/2014</a:t>
+              <a:t>28/6/2014</a:t>
             </a:fld>
             <a:endParaRPr lang="en-SG"/>
           </a:p>
@@ -588,7 +593,7 @@
           <a:p>
             <a:fld id="{954FD581-DC80-49AC-AA0F-9AD0047101ED}" type="datetimeFigureOut">
               <a:rPr lang="en-SG" smtClean="0"/>
-              <a:t>29/5/2014</a:t>
+              <a:t>28/6/2014</a:t>
             </a:fld>
             <a:endParaRPr lang="en-SG"/>
           </a:p>
@@ -758,7 +763,7 @@
           <a:p>
             <a:fld id="{954FD581-DC80-49AC-AA0F-9AD0047101ED}" type="datetimeFigureOut">
               <a:rPr lang="en-SG" smtClean="0"/>
-              <a:t>29/5/2014</a:t>
+              <a:t>28/6/2014</a:t>
             </a:fld>
             <a:endParaRPr lang="en-SG"/>
           </a:p>
@@ -1004,7 +1009,7 @@
           <a:p>
             <a:fld id="{954FD581-DC80-49AC-AA0F-9AD0047101ED}" type="datetimeFigureOut">
               <a:rPr lang="en-SG" smtClean="0"/>
-              <a:t>29/5/2014</a:t>
+              <a:t>28/6/2014</a:t>
             </a:fld>
             <a:endParaRPr lang="en-SG"/>
           </a:p>
@@ -1236,7 +1241,7 @@
           <a:p>
             <a:fld id="{954FD581-DC80-49AC-AA0F-9AD0047101ED}" type="datetimeFigureOut">
               <a:rPr lang="en-SG" smtClean="0"/>
-              <a:t>29/5/2014</a:t>
+              <a:t>28/6/2014</a:t>
             </a:fld>
             <a:endParaRPr lang="en-SG"/>
           </a:p>
@@ -1603,7 +1608,7 @@
           <a:p>
             <a:fld id="{954FD581-DC80-49AC-AA0F-9AD0047101ED}" type="datetimeFigureOut">
               <a:rPr lang="en-SG" smtClean="0"/>
-              <a:t>29/5/2014</a:t>
+              <a:t>28/6/2014</a:t>
             </a:fld>
             <a:endParaRPr lang="en-SG"/>
           </a:p>
@@ -1721,7 +1726,7 @@
           <a:p>
             <a:fld id="{954FD581-DC80-49AC-AA0F-9AD0047101ED}" type="datetimeFigureOut">
               <a:rPr lang="en-SG" smtClean="0"/>
-              <a:t>29/5/2014</a:t>
+              <a:t>28/6/2014</a:t>
             </a:fld>
             <a:endParaRPr lang="en-SG"/>
           </a:p>
@@ -1816,7 +1821,7 @@
           <a:p>
             <a:fld id="{954FD581-DC80-49AC-AA0F-9AD0047101ED}" type="datetimeFigureOut">
               <a:rPr lang="en-SG" smtClean="0"/>
-              <a:t>29/5/2014</a:t>
+              <a:t>28/6/2014</a:t>
             </a:fld>
             <a:endParaRPr lang="en-SG"/>
           </a:p>
@@ -2093,7 +2098,7 @@
           <a:p>
             <a:fld id="{954FD581-DC80-49AC-AA0F-9AD0047101ED}" type="datetimeFigureOut">
               <a:rPr lang="en-SG" smtClean="0"/>
-              <a:t>29/5/2014</a:t>
+              <a:t>28/6/2014</a:t>
             </a:fld>
             <a:endParaRPr lang="en-SG"/>
           </a:p>
@@ -2346,7 +2351,7 @@
           <a:p>
             <a:fld id="{954FD581-DC80-49AC-AA0F-9AD0047101ED}" type="datetimeFigureOut">
               <a:rPr lang="en-SG" smtClean="0"/>
-              <a:t>29/5/2014</a:t>
+              <a:t>28/6/2014</a:t>
             </a:fld>
             <a:endParaRPr lang="en-SG"/>
           </a:p>
@@ -2559,7 +2564,7 @@
           <a:p>
             <a:fld id="{954FD581-DC80-49AC-AA0F-9AD0047101ED}" type="datetimeFigureOut">
               <a:rPr lang="en-SG" smtClean="0"/>
-              <a:t>29/5/2014</a:t>
+              <a:t>28/6/2014</a:t>
             </a:fld>
             <a:endParaRPr lang="en-SG"/>
           </a:p>
@@ -3341,7 +3346,7 @@
               <a:buChar char="-"/>
             </a:pPr>
             <a:r>
-              <a:rPr lang="en-US" dirty="0" smtClean="0">
+              <a:rPr lang="en-US" strike="sngStrike" dirty="0" smtClean="0">
                 <a:latin typeface="Copperplate Gothic Light" panose="020E0507020206020404" pitchFamily="34" charset="0"/>
               </a:rPr>
               <a:t>Basic Design of Program’s Layout</a:t>
@@ -3353,13 +3358,13 @@
               <a:buChar char="-"/>
             </a:pPr>
             <a:r>
-              <a:rPr lang="en-US" dirty="0" smtClean="0">
+              <a:rPr lang="en-US" strike="sngStrike" dirty="0" smtClean="0">
                 <a:latin typeface="Copperplate Gothic Light" panose="020E0507020206020404" pitchFamily="34" charset="0"/>
               </a:rPr>
               <a:t>Conceptualization of program features &amp; Segmentation of project into milestones (phases</a:t>
             </a:r>
             <a:r>
-              <a:rPr lang="en-US" dirty="0" smtClean="0"/>
+              <a:rPr lang="en-US" strike="sngStrike" dirty="0" smtClean="0"/>
               <a:t>)</a:t>
             </a:r>
           </a:p>
@@ -3457,127 +3462,6 @@
       </p:sp>
       <p:sp>
         <p:nvSpPr>
-          <p:cNvPr id="21" name="TextBox 20"/>
-          <p:cNvSpPr txBox="1"/>
-          <p:nvPr/>
-        </p:nvSpPr>
-        <p:spPr>
-          <a:xfrm>
-            <a:off x="2966638" y="2776945"/>
-            <a:ext cx="8957736" cy="1723549"/>
-          </a:xfrm>
-          <a:prstGeom prst="rect">
-            <a:avLst/>
-          </a:prstGeom>
-          <a:noFill/>
-        </p:spPr>
-        <p:txBody>
-          <a:bodyPr wrap="square" rtlCol="0">
-            <a:spAutoFit/>
-          </a:bodyPr>
-          <a:lstStyle/>
-          <a:p>
-            <a:pPr marL="285750" indent="-285750">
-              <a:buFontTx/>
-              <a:buChar char="-"/>
-            </a:pPr>
-            <a:r>
-              <a:rPr lang="en-US" dirty="0" smtClean="0">
-                <a:latin typeface="Copperplate Gothic Light" panose="020E0507020206020404" pitchFamily="34" charset="0"/>
-              </a:rPr>
-              <a:t>Basic </a:t>
-            </a:r>
-            <a:r>
-              <a:rPr lang="en-US" u="sng" dirty="0" smtClean="0">
-                <a:latin typeface="Copperplate Gothic Light" panose="020E0507020206020404" pitchFamily="34" charset="0"/>
-              </a:rPr>
-              <a:t>working</a:t>
-            </a:r>
-            <a:r>
-              <a:rPr lang="en-US" dirty="0" smtClean="0">
-                <a:latin typeface="Copperplate Gothic Light" panose="020E0507020206020404" pitchFamily="34" charset="0"/>
-              </a:rPr>
-              <a:t> game with the following features implemented:</a:t>
-            </a:r>
-          </a:p>
-          <a:p>
-            <a:pPr marL="742950" lvl="1" indent="-285750">
-              <a:buFontTx/>
-              <a:buChar char="-"/>
-            </a:pPr>
-            <a:r>
-              <a:rPr lang="en-US" sz="1400" dirty="0" smtClean="0">
-                <a:latin typeface="Copperplate Gothic Light" panose="020E0507020206020404" pitchFamily="34" charset="0"/>
-              </a:rPr>
-              <a:t>User input</a:t>
-            </a:r>
-          </a:p>
-          <a:p>
-            <a:pPr marL="742950" lvl="1" indent="-285750">
-              <a:buFontTx/>
-              <a:buChar char="-"/>
-            </a:pPr>
-            <a:r>
-              <a:rPr lang="en-US" sz="1400" dirty="0" smtClean="0">
-                <a:latin typeface="Copperplate Gothic Light" panose="020E0507020206020404" pitchFamily="34" charset="0"/>
-              </a:rPr>
-              <a:t>Countdown Timer</a:t>
-            </a:r>
-          </a:p>
-          <a:p>
-            <a:pPr marL="742950" lvl="1" indent="-285750">
-              <a:buFontTx/>
-              <a:buChar char="-"/>
-            </a:pPr>
-            <a:r>
-              <a:rPr lang="en-US" sz="1400" dirty="0" smtClean="0">
-                <a:latin typeface="Copperplate Gothic Light" panose="020E0507020206020404" pitchFamily="34" charset="0"/>
-              </a:rPr>
-              <a:t>Level Progression</a:t>
-            </a:r>
-          </a:p>
-          <a:p>
-            <a:pPr marL="742950" lvl="1" indent="-285750">
-              <a:buFontTx/>
-              <a:buChar char="-"/>
-            </a:pPr>
-            <a:r>
-              <a:rPr lang="en-US" sz="1400" dirty="0" smtClean="0">
-                <a:latin typeface="Copperplate Gothic Light" panose="020E0507020206020404" pitchFamily="34" charset="0"/>
-              </a:rPr>
-              <a:t>Word database for verifying user </a:t>
-            </a:r>
-            <a:r>
-              <a:rPr lang="en-US" sz="1400" smtClean="0">
-                <a:latin typeface="Copperplate Gothic Light" panose="020E0507020206020404" pitchFamily="34" charset="0"/>
-              </a:rPr>
-              <a:t>input (using </a:t>
-            </a:r>
-            <a:r>
-              <a:rPr lang="en-US" sz="1400" dirty="0" smtClean="0">
-                <a:latin typeface="Copperplate Gothic Light" panose="020E0507020206020404" pitchFamily="34" charset="0"/>
-              </a:rPr>
-              <a:t>the English Open Word List [EOWL])</a:t>
-            </a:r>
-          </a:p>
-          <a:p>
-            <a:pPr marL="742950" lvl="1" indent="-285750">
-              <a:buFontTx/>
-              <a:buChar char="-"/>
-            </a:pPr>
-            <a:endParaRPr lang="en-US" sz="1400" dirty="0" smtClean="0"/>
-          </a:p>
-          <a:p>
-            <a:pPr marL="285750" indent="-285750">
-              <a:buFontTx/>
-              <a:buChar char="-"/>
-            </a:pPr>
-            <a:endParaRPr lang="en-SG" dirty="0"/>
-          </a:p>
-        </p:txBody>
-      </p:sp>
-      <p:sp>
-        <p:nvSpPr>
           <p:cNvPr id="22" name="TextBox 21"/>
           <p:cNvSpPr txBox="1"/>
           <p:nvPr/>
@@ -3645,6 +3529,163 @@
           </a:fontRef>
         </p:style>
       </p:cxnSp>
+      <p:sp>
+        <p:nvSpPr>
+          <p:cNvPr id="21" name="TextBox 20"/>
+          <p:cNvSpPr txBox="1"/>
+          <p:nvPr/>
+        </p:nvSpPr>
+        <p:spPr>
+          <a:xfrm>
+            <a:off x="2966638" y="2776945"/>
+            <a:ext cx="8957736" cy="1723549"/>
+          </a:xfrm>
+          <a:prstGeom prst="rect">
+            <a:avLst/>
+          </a:prstGeom>
+          <a:noFill/>
+        </p:spPr>
+        <p:txBody>
+          <a:bodyPr wrap="square" rtlCol="0">
+            <a:spAutoFit/>
+          </a:bodyPr>
+          <a:lstStyle/>
+          <a:p>
+            <a:pPr marL="285750" indent="-285750">
+              <a:buFontTx/>
+              <a:buChar char="-"/>
+            </a:pPr>
+            <a:r>
+              <a:rPr lang="en-US" dirty="0" smtClean="0">
+                <a:latin typeface="Copperplate Gothic Light" panose="020E0507020206020404" pitchFamily="34" charset="0"/>
+              </a:rPr>
+              <a:t>Basic </a:t>
+            </a:r>
+            <a:r>
+              <a:rPr lang="en-US" u="sng" dirty="0" smtClean="0">
+                <a:latin typeface="Copperplate Gothic Light" panose="020E0507020206020404" pitchFamily="34" charset="0"/>
+              </a:rPr>
+              <a:t>working</a:t>
+            </a:r>
+            <a:r>
+              <a:rPr lang="en-US" dirty="0" smtClean="0">
+                <a:latin typeface="Copperplate Gothic Light" panose="020E0507020206020404" pitchFamily="34" charset="0"/>
+              </a:rPr>
+              <a:t> game with the following features implemented:</a:t>
+            </a:r>
+          </a:p>
+          <a:p>
+            <a:pPr marL="742950" lvl="1" indent="-285750">
+              <a:buFontTx/>
+              <a:buChar char="-"/>
+            </a:pPr>
+            <a:r>
+              <a:rPr lang="en-US" sz="1400" strike="sngStrike" dirty="0" smtClean="0">
+                <a:latin typeface="Copperplate Gothic Light" panose="020E0507020206020404" pitchFamily="34" charset="0"/>
+              </a:rPr>
+              <a:t>User input</a:t>
+            </a:r>
+          </a:p>
+          <a:p>
+            <a:pPr marL="742950" lvl="1" indent="-285750">
+              <a:buFontTx/>
+              <a:buChar char="-"/>
+            </a:pPr>
+            <a:r>
+              <a:rPr lang="en-US" sz="1400" dirty="0" smtClean="0">
+                <a:latin typeface="Copperplate Gothic Light" panose="020E0507020206020404" pitchFamily="34" charset="0"/>
+              </a:rPr>
+              <a:t>Countdown </a:t>
+            </a:r>
+            <a:r>
+              <a:rPr lang="en-US" sz="1400" dirty="0" smtClean="0">
+                <a:latin typeface="Copperplate Gothic Light" panose="020E0507020206020404" pitchFamily="34" charset="0"/>
+              </a:rPr>
+              <a:t>Timer </a:t>
+            </a:r>
+            <a:r>
+              <a:rPr lang="en-US" sz="1400" b="1" dirty="0" smtClean="0">
+                <a:solidFill>
+                  <a:srgbClr val="FF0000"/>
+                </a:solidFill>
+                <a:latin typeface="Copperplate Gothic Light" panose="020E0507020206020404" pitchFamily="34" charset="0"/>
+              </a:rPr>
+              <a:t>(TO BE CARRIED OVER TO MILESTONE 3)</a:t>
+            </a:r>
+            <a:endParaRPr lang="en-US" sz="1400" b="1" dirty="0" smtClean="0">
+              <a:solidFill>
+                <a:srgbClr val="FF0000"/>
+              </a:solidFill>
+              <a:latin typeface="Copperplate Gothic Light" panose="020E0507020206020404" pitchFamily="34" charset="0"/>
+            </a:endParaRPr>
+          </a:p>
+          <a:p>
+            <a:pPr marL="742950" lvl="1" indent="-285750">
+              <a:buFontTx/>
+              <a:buChar char="-"/>
+            </a:pPr>
+            <a:r>
+              <a:rPr lang="en-US" sz="1400" dirty="0" smtClean="0">
+                <a:latin typeface="Copperplate Gothic Light" panose="020E0507020206020404" pitchFamily="34" charset="0"/>
+              </a:rPr>
+              <a:t>Level </a:t>
+            </a:r>
+            <a:r>
+              <a:rPr lang="en-US" sz="1400" dirty="0" smtClean="0">
+                <a:latin typeface="Copperplate Gothic Light" panose="020E0507020206020404" pitchFamily="34" charset="0"/>
+              </a:rPr>
+              <a:t>Progression </a:t>
+            </a:r>
+            <a:r>
+              <a:rPr lang="en-US" sz="1400" b="1" dirty="0">
+                <a:solidFill>
+                  <a:srgbClr val="FF0000"/>
+                </a:solidFill>
+                <a:latin typeface="Copperplate Gothic Light" panose="020E0507020206020404" pitchFamily="34" charset="0"/>
+              </a:rPr>
+              <a:t>(TO BE CARRIED OVER TO MILESTONE 3)</a:t>
+            </a:r>
+            <a:endParaRPr lang="en-US" sz="1400" dirty="0" smtClean="0">
+              <a:solidFill>
+                <a:srgbClr val="FF0000"/>
+              </a:solidFill>
+              <a:latin typeface="Copperplate Gothic Light" panose="020E0507020206020404" pitchFamily="34" charset="0"/>
+            </a:endParaRPr>
+          </a:p>
+          <a:p>
+            <a:pPr marL="742950" lvl="1" indent="-285750">
+              <a:buFontTx/>
+              <a:buChar char="-"/>
+            </a:pPr>
+            <a:r>
+              <a:rPr lang="en-US" sz="1400" strike="sngStrike" dirty="0" smtClean="0">
+                <a:latin typeface="Copperplate Gothic Light" panose="020E0507020206020404" pitchFamily="34" charset="0"/>
+              </a:rPr>
+              <a:t>Word database for verifying user input (using the English Open Word List [EOWL]</a:t>
+            </a:r>
+            <a:r>
+              <a:rPr lang="en-US" sz="1400" dirty="0" smtClean="0">
+                <a:latin typeface="Copperplate Gothic Light" panose="020E0507020206020404" pitchFamily="34" charset="0"/>
+              </a:rPr>
+              <a:t>)</a:t>
+            </a:r>
+          </a:p>
+          <a:p>
+            <a:pPr marL="742950" lvl="1" indent="-285750">
+              <a:buFontTx/>
+              <a:buChar char="-"/>
+            </a:pPr>
+            <a:endParaRPr lang="en-US" sz="1400" dirty="0" smtClean="0"/>
+          </a:p>
+          <a:p>
+            <a:pPr marL="285750" indent="-285750">
+              <a:buFontTx/>
+              <a:buChar char="-"/>
+            </a:pPr>
+            <a:endParaRPr lang="en-SG" dirty="0"/>
+          </a:p>
+        </p:txBody>
+      </p:sp>
       <p:sp>
         <p:nvSpPr>
           <p:cNvPr id="24" name="TextBox 23"/>

--- a/Milestones.pptx
+++ b/Milestones.pptx
@@ -243,7 +243,7 @@
           <a:p>
             <a:fld id="{954FD581-DC80-49AC-AA0F-9AD0047101ED}" type="datetimeFigureOut">
               <a:rPr lang="en-SG" smtClean="0"/>
-              <a:t>28/6/2014</a:t>
+              <a:t>26/7/2014</a:t>
             </a:fld>
             <a:endParaRPr lang="en-SG"/>
           </a:p>
@@ -413,7 +413,7 @@
           <a:p>
             <a:fld id="{954FD581-DC80-49AC-AA0F-9AD0047101ED}" type="datetimeFigureOut">
               <a:rPr lang="en-SG" smtClean="0"/>
-              <a:t>28/6/2014</a:t>
+              <a:t>26/7/2014</a:t>
             </a:fld>
             <a:endParaRPr lang="en-SG"/>
           </a:p>
@@ -593,7 +593,7 @@
           <a:p>
             <a:fld id="{954FD581-DC80-49AC-AA0F-9AD0047101ED}" type="datetimeFigureOut">
               <a:rPr lang="en-SG" smtClean="0"/>
-              <a:t>28/6/2014</a:t>
+              <a:t>26/7/2014</a:t>
             </a:fld>
             <a:endParaRPr lang="en-SG"/>
           </a:p>
@@ -763,7 +763,7 @@
           <a:p>
             <a:fld id="{954FD581-DC80-49AC-AA0F-9AD0047101ED}" type="datetimeFigureOut">
               <a:rPr lang="en-SG" smtClean="0"/>
-              <a:t>28/6/2014</a:t>
+              <a:t>26/7/2014</a:t>
             </a:fld>
             <a:endParaRPr lang="en-SG"/>
           </a:p>
@@ -1009,7 +1009,7 @@
           <a:p>
             <a:fld id="{954FD581-DC80-49AC-AA0F-9AD0047101ED}" type="datetimeFigureOut">
               <a:rPr lang="en-SG" smtClean="0"/>
-              <a:t>28/6/2014</a:t>
+              <a:t>26/7/2014</a:t>
             </a:fld>
             <a:endParaRPr lang="en-SG"/>
           </a:p>
@@ -1241,7 +1241,7 @@
           <a:p>
             <a:fld id="{954FD581-DC80-49AC-AA0F-9AD0047101ED}" type="datetimeFigureOut">
               <a:rPr lang="en-SG" smtClean="0"/>
-              <a:t>28/6/2014</a:t>
+              <a:t>26/7/2014</a:t>
             </a:fld>
             <a:endParaRPr lang="en-SG"/>
           </a:p>
@@ -1608,7 +1608,7 @@
           <a:p>
             <a:fld id="{954FD581-DC80-49AC-AA0F-9AD0047101ED}" type="datetimeFigureOut">
               <a:rPr lang="en-SG" smtClean="0"/>
-              <a:t>28/6/2014</a:t>
+              <a:t>26/7/2014</a:t>
             </a:fld>
             <a:endParaRPr lang="en-SG"/>
           </a:p>
@@ -1726,7 +1726,7 @@
           <a:p>
             <a:fld id="{954FD581-DC80-49AC-AA0F-9AD0047101ED}" type="datetimeFigureOut">
               <a:rPr lang="en-SG" smtClean="0"/>
-              <a:t>28/6/2014</a:t>
+              <a:t>26/7/2014</a:t>
             </a:fld>
             <a:endParaRPr lang="en-SG"/>
           </a:p>
@@ -1821,7 +1821,7 @@
           <a:p>
             <a:fld id="{954FD581-DC80-49AC-AA0F-9AD0047101ED}" type="datetimeFigureOut">
               <a:rPr lang="en-SG" smtClean="0"/>
-              <a:t>28/6/2014</a:t>
+              <a:t>26/7/2014</a:t>
             </a:fld>
             <a:endParaRPr lang="en-SG"/>
           </a:p>
@@ -2098,7 +2098,7 @@
           <a:p>
             <a:fld id="{954FD581-DC80-49AC-AA0F-9AD0047101ED}" type="datetimeFigureOut">
               <a:rPr lang="en-SG" smtClean="0"/>
-              <a:t>28/6/2014</a:t>
+              <a:t>26/7/2014</a:t>
             </a:fld>
             <a:endParaRPr lang="en-SG"/>
           </a:p>
@@ -2351,7 +2351,7 @@
           <a:p>
             <a:fld id="{954FD581-DC80-49AC-AA0F-9AD0047101ED}" type="datetimeFigureOut">
               <a:rPr lang="en-SG" smtClean="0"/>
-              <a:t>28/6/2014</a:t>
+              <a:t>26/7/2014</a:t>
             </a:fld>
             <a:endParaRPr lang="en-SG"/>
           </a:p>
@@ -2564,7 +2564,7 @@
           <a:p>
             <a:fld id="{954FD581-DC80-49AC-AA0F-9AD0047101ED}" type="datetimeFigureOut">
               <a:rPr lang="en-SG" smtClean="0"/>
-              <a:t>28/6/2014</a:t>
+              <a:t>26/7/2014</a:t>
             </a:fld>
             <a:endParaRPr lang="en-SG"/>
           </a:p>
@@ -3556,22 +3556,10 @@
               <a:buChar char="-"/>
             </a:pPr>
             <a:r>
-              <a:rPr lang="en-US" dirty="0" smtClean="0">
+              <a:rPr lang="en-US" strike="sngStrike" dirty="0" smtClean="0">
                 <a:latin typeface="Copperplate Gothic Light" panose="020E0507020206020404" pitchFamily="34" charset="0"/>
               </a:rPr>
-              <a:t>Basic </a:t>
-            </a:r>
-            <a:r>
-              <a:rPr lang="en-US" u="sng" dirty="0" smtClean="0">
-                <a:latin typeface="Copperplate Gothic Light" panose="020E0507020206020404" pitchFamily="34" charset="0"/>
-              </a:rPr>
-              <a:t>working</a:t>
-            </a:r>
-            <a:r>
-              <a:rPr lang="en-US" dirty="0" smtClean="0">
-                <a:latin typeface="Copperplate Gothic Light" panose="020E0507020206020404" pitchFamily="34" charset="0"/>
-              </a:rPr>
-              <a:t> game with the following features implemented:</a:t>
+              <a:t>Basic working game with the following features implemented:</a:t>
             </a:r>
           </a:p>
           <a:p>
@@ -3592,19 +3580,13 @@
               <a:buChar char="-"/>
             </a:pPr>
             <a:r>
-              <a:rPr lang="en-US" sz="1400" dirty="0" smtClean="0">
+              <a:rPr lang="en-US" sz="1400" strike="sngStrike" dirty="0" smtClean="0">
                 <a:latin typeface="Copperplate Gothic Light" panose="020E0507020206020404" pitchFamily="34" charset="0"/>
               </a:rPr>
-              <a:t>Countdown </a:t>
-            </a:r>
-            <a:r>
-              <a:rPr lang="en-US" sz="1400" dirty="0" smtClean="0">
-                <a:latin typeface="Copperplate Gothic Light" panose="020E0507020206020404" pitchFamily="34" charset="0"/>
-              </a:rPr>
-              <a:t>Timer </a:t>
-            </a:r>
-            <a:r>
-              <a:rPr lang="en-US" sz="1400" b="1" dirty="0" smtClean="0">
+              <a:t>Countdown Timer </a:t>
+            </a:r>
+            <a:r>
+              <a:rPr lang="en-US" sz="1400" b="1" strike="sngStrike" dirty="0" smtClean="0">
                 <a:solidFill>
                   <a:srgbClr val="FF0000"/>
                 </a:solidFill>
@@ -3612,12 +3594,6 @@
               </a:rPr>
               <a:t>(TO BE CARRIED OVER TO MILESTONE 3)</a:t>
             </a:r>
-            <a:endParaRPr lang="en-US" sz="1400" b="1" dirty="0" smtClean="0">
-              <a:solidFill>
-                <a:srgbClr val="FF0000"/>
-              </a:solidFill>
-              <a:latin typeface="Copperplate Gothic Light" panose="020E0507020206020404" pitchFamily="34" charset="0"/>
-            </a:endParaRPr>
           </a:p>
           <a:p>
             <a:pPr marL="742950" lvl="1" indent="-285750">
@@ -3625,19 +3601,13 @@
               <a:buChar char="-"/>
             </a:pPr>
             <a:r>
-              <a:rPr lang="en-US" sz="1400" dirty="0" smtClean="0">
+              <a:rPr lang="en-US" sz="1400" strike="sngStrike" dirty="0" smtClean="0">
                 <a:latin typeface="Copperplate Gothic Light" panose="020E0507020206020404" pitchFamily="34" charset="0"/>
               </a:rPr>
-              <a:t>Level </a:t>
-            </a:r>
-            <a:r>
-              <a:rPr lang="en-US" sz="1400" dirty="0" smtClean="0">
-                <a:latin typeface="Copperplate Gothic Light" panose="020E0507020206020404" pitchFamily="34" charset="0"/>
-              </a:rPr>
-              <a:t>Progression </a:t>
-            </a:r>
-            <a:r>
-              <a:rPr lang="en-US" sz="1400" b="1" dirty="0">
+              <a:t>Level Progression </a:t>
+            </a:r>
+            <a:r>
+              <a:rPr lang="en-US" sz="1400" b="1" strike="sngStrike" dirty="0">
                 <a:solidFill>
                   <a:srgbClr val="FF0000"/>
                 </a:solidFill>
@@ -3645,7 +3615,7 @@
               </a:rPr>
               <a:t>(TO BE CARRIED OVER TO MILESTONE 3)</a:t>
             </a:r>
-            <a:endParaRPr lang="en-US" sz="1400" dirty="0" smtClean="0">
+            <a:endParaRPr lang="en-US" sz="1400" strike="sngStrike" dirty="0" smtClean="0">
               <a:solidFill>
                 <a:srgbClr val="FF0000"/>
               </a:solidFill>
@@ -3713,7 +3683,7 @@
               <a:buChar char="-"/>
             </a:pPr>
             <a:r>
-              <a:rPr lang="en-US" dirty="0" smtClean="0">
+              <a:rPr lang="en-US" strike="sngStrike" dirty="0" smtClean="0">
                 <a:latin typeface="Copperplate Gothic Light" panose="020E0507020206020404" pitchFamily="34" charset="0"/>
               </a:rPr>
               <a:t>Implementation of a leaderboard system</a:t>
@@ -3725,7 +3695,7 @@
               <a:buChar char="-"/>
             </a:pPr>
             <a:r>
-              <a:rPr lang="en-US" dirty="0" smtClean="0">
+              <a:rPr lang="en-US" strike="sngStrike" dirty="0" smtClean="0">
                 <a:latin typeface="Copperplate Gothic Light" panose="020E0507020206020404" pitchFamily="34" charset="0"/>
               </a:rPr>
               <a:t>Completion of game with basic features </a:t>
@@ -3737,7 +3707,7 @@
               <a:buChar char="-"/>
             </a:pPr>
             <a:r>
-              <a:rPr lang="en-US" dirty="0" smtClean="0">
+              <a:rPr lang="en-US" strike="sngStrike" dirty="0" smtClean="0">
                 <a:latin typeface="Copperplate Gothic Light" panose="020E0507020206020404" pitchFamily="34" charset="0"/>
               </a:rPr>
               <a:t>Refinements of the graphical user interface and overall design of program </a:t>
